--- a/A1 Poster COMP1004 MB v2.pptx
+++ b/A1 Poster COMP1004 MB v2.pptx
@@ -11,7 +11,7 @@
     <p:sldId id="256" r:id="rId5"/>
   </p:sldIdLst>
   <p:sldSz cx="30275213" cy="21383625"/>
-  <p:notesSz cx="7104063" cy="10234613"/>
+  <p:notesSz cx="6858000" cy="9875838"/>
   <p:defaultTextStyle>
     <a:defPPr>
       <a:defRPr lang="en-US"/>
@@ -124,12 +124,12 @@
     </p:ext>
     <p:ext uri="{2D200454-40CA-4A62-9FC3-DE9A4176ACB9}">
       <p15:notesGuideLst xmlns:p15="http://schemas.microsoft.com/office/powerpoint/2012/main">
-        <p15:guide id="1" orient="horz" pos="3224" userDrawn="1">
+        <p15:guide id="1" orient="horz" pos="3111" userDrawn="1">
           <p15:clr>
             <a:srgbClr val="A4A3A4"/>
           </p15:clr>
         </p15:guide>
-        <p15:guide id="2" pos="2238" userDrawn="1">
+        <p15:guide id="2" pos="2160" userDrawn="1">
           <p15:clr>
             <a:srgbClr val="A4A3A4"/>
           </p15:clr>
@@ -143,7 +143,7 @@
 <file path=ppt/revisionInfo.xml><?xml version="1.0" encoding="utf-8"?>
 <p1510:revInfo xmlns:a="http://schemas.openxmlformats.org/drawingml/2006/main" xmlns:r="http://schemas.openxmlformats.org/officeDocument/2006/relationships" xmlns:p1510="http://schemas.microsoft.com/office/powerpoint/2015/10/main">
   <p1510:revLst>
-    <p1510:client id="{C98BF7D4-EB61-400B-8861-5EE2AE09BA97}" v="48" dt="2025-03-24T13:41:13.240"/>
+    <p1510:client id="{C98BF7D4-EB61-400B-8861-5EE2AE09BA97}" v="49" dt="2025-03-25T10:49:57.704"/>
   </p1510:revLst>
 </p1510:revInfo>
 </file>
@@ -152,13 +152,13 @@
 <pc:chgInfo xmlns:a="http://schemas.openxmlformats.org/drawingml/2006/main" xmlns:r="http://schemas.openxmlformats.org/officeDocument/2006/relationships" xmlns:ac="http://schemas.microsoft.com/office/drawing/2013/main/command" xmlns:pc="http://schemas.microsoft.com/office/powerpoint/2013/main/command">
   <pc:docChgLst>
     <pc:chgData name="Martin Bath" userId="10ed2a8438d10cb3" providerId="LiveId" clId="{C98BF7D4-EB61-400B-8861-5EE2AE09BA97}"/>
-    <pc:docChg chg="custSel modSld">
-      <pc:chgData name="Martin Bath" userId="10ed2a8438d10cb3" providerId="LiveId" clId="{C98BF7D4-EB61-400B-8861-5EE2AE09BA97}" dt="2025-03-24T13:42:09.953" v="486" actId="478"/>
+    <pc:docChg chg="custSel modSld modNotesMaster">
+      <pc:chgData name="Martin Bath" userId="10ed2a8438d10cb3" providerId="LiveId" clId="{C98BF7D4-EB61-400B-8861-5EE2AE09BA97}" dt="2025-03-25T10:49:57.702" v="487"/>
       <pc:docMkLst>
         <pc:docMk/>
       </pc:docMkLst>
-      <pc:sldChg chg="addSp delSp modSp mod">
-        <pc:chgData name="Martin Bath" userId="10ed2a8438d10cb3" providerId="LiveId" clId="{C98BF7D4-EB61-400B-8861-5EE2AE09BA97}" dt="2025-03-24T13:42:09.953" v="486" actId="478"/>
+      <pc:sldChg chg="addSp delSp modSp mod modNotes">
+        <pc:chgData name="Martin Bath" userId="10ed2a8438d10cb3" providerId="LiveId" clId="{C98BF7D4-EB61-400B-8861-5EE2AE09BA97}" dt="2025-03-25T10:49:57.702" v="487"/>
         <pc:sldMkLst>
           <pc:docMk/>
           <pc:sldMk cId="530449856" sldId="256"/>
@@ -284,14 +284,14 @@
         <p:spPr>
           <a:xfrm>
             <a:off x="0" y="0"/>
-            <a:ext cx="3078427" cy="513508"/>
+            <a:ext cx="2971800" cy="495507"/>
           </a:xfrm>
           <a:prstGeom prst="rect">
             <a:avLst/>
           </a:prstGeom>
         </p:spPr>
         <p:txBody>
-          <a:bodyPr vert="horz" lIns="99075" tIns="49538" rIns="99075" bIns="49538" rtlCol="0"/>
+          <a:bodyPr vert="horz" lIns="95617" tIns="47809" rIns="95617" bIns="47809" rtlCol="0"/>
           <a:lstStyle>
             <a:lvl1pPr algn="l">
               <a:defRPr sz="1300"/>
@@ -314,15 +314,15 @@
         </p:nvSpPr>
         <p:spPr>
           <a:xfrm>
-            <a:off x="4023992" y="0"/>
-            <a:ext cx="3078427" cy="513508"/>
+            <a:off x="3884614" y="0"/>
+            <a:ext cx="2971800" cy="495507"/>
           </a:xfrm>
           <a:prstGeom prst="rect">
             <a:avLst/>
           </a:prstGeom>
         </p:spPr>
         <p:txBody>
-          <a:bodyPr vert="horz" lIns="99075" tIns="49538" rIns="99075" bIns="49538" rtlCol="0"/>
+          <a:bodyPr vert="horz" lIns="95617" tIns="47809" rIns="95617" bIns="47809" rtlCol="0"/>
           <a:lstStyle>
             <a:lvl1pPr algn="r">
               <a:defRPr sz="1300"/>
@@ -331,7 +331,7 @@
           <a:p>
             <a:fld id="{40B2206F-7194-4E11-805A-5295AF5385CE}" type="datetimeFigureOut">
               <a:rPr lang="en-GB" smtClean="0"/>
-              <a:t>24/03/2025</a:t>
+              <a:t>25/03/2025</a:t>
             </a:fld>
             <a:endParaRPr lang="en-GB" dirty="0"/>
           </a:p>
@@ -349,8 +349,8 @@
         </p:nvSpPr>
         <p:spPr>
           <a:xfrm>
-            <a:off x="1108075" y="1279525"/>
-            <a:ext cx="4887913" cy="3454400"/>
+            <a:off x="1069975" y="1235075"/>
+            <a:ext cx="4718050" cy="3332163"/>
           </a:xfrm>
           <a:prstGeom prst="rect">
             <a:avLst/>
@@ -363,7 +363,7 @@
           </a:ln>
         </p:spPr>
         <p:txBody>
-          <a:bodyPr vert="horz" lIns="99075" tIns="49538" rIns="99075" bIns="49538" rtlCol="0" anchor="ctr"/>
+          <a:bodyPr vert="horz" lIns="95617" tIns="47809" rIns="95617" bIns="47809" rtlCol="0" anchor="ctr"/>
           <a:lstStyle/>
           <a:p>
             <a:endParaRPr lang="en-GB" dirty="0"/>
@@ -382,15 +382,15 @@
         </p:nvSpPr>
         <p:spPr>
           <a:xfrm>
-            <a:off x="710407" y="4925407"/>
-            <a:ext cx="5683250" cy="4029879"/>
+            <a:off x="685800" y="4752747"/>
+            <a:ext cx="5486400" cy="3888611"/>
           </a:xfrm>
           <a:prstGeom prst="rect">
             <a:avLst/>
           </a:prstGeom>
         </p:spPr>
         <p:txBody>
-          <a:bodyPr vert="horz" lIns="99075" tIns="49538" rIns="99075" bIns="49538" rtlCol="0"/>
+          <a:bodyPr vert="horz" lIns="95617" tIns="47809" rIns="95617" bIns="47809" rtlCol="0"/>
           <a:lstStyle/>
           <a:p>
             <a:pPr lvl="0"/>
@@ -442,15 +442,15 @@
         </p:nvSpPr>
         <p:spPr>
           <a:xfrm>
-            <a:off x="0" y="9721107"/>
-            <a:ext cx="3078427" cy="513507"/>
+            <a:off x="0" y="9380333"/>
+            <a:ext cx="2971800" cy="495506"/>
           </a:xfrm>
           <a:prstGeom prst="rect">
             <a:avLst/>
           </a:prstGeom>
         </p:spPr>
         <p:txBody>
-          <a:bodyPr vert="horz" lIns="99075" tIns="49538" rIns="99075" bIns="49538" rtlCol="0" anchor="b"/>
+          <a:bodyPr vert="horz" lIns="95617" tIns="47809" rIns="95617" bIns="47809" rtlCol="0" anchor="b"/>
           <a:lstStyle>
             <a:lvl1pPr algn="l">
               <a:defRPr sz="1300"/>
@@ -473,15 +473,15 @@
         </p:nvSpPr>
         <p:spPr>
           <a:xfrm>
-            <a:off x="4023992" y="9721107"/>
-            <a:ext cx="3078427" cy="513507"/>
+            <a:off x="3884614" y="9380333"/>
+            <a:ext cx="2971800" cy="495506"/>
           </a:xfrm>
           <a:prstGeom prst="rect">
             <a:avLst/>
           </a:prstGeom>
         </p:spPr>
         <p:txBody>
-          <a:bodyPr vert="horz" lIns="99075" tIns="49538" rIns="99075" bIns="49538" rtlCol="0" anchor="b"/>
+          <a:bodyPr vert="horz" lIns="95617" tIns="47809" rIns="95617" bIns="47809" rtlCol="0" anchor="b"/>
           <a:lstStyle>
             <a:lvl1pPr algn="r">
               <a:defRPr sz="1300"/>
@@ -628,8 +628,8 @@
         </p:nvSpPr>
         <p:spPr>
           <a:xfrm>
-            <a:off x="1108075" y="1279525"/>
-            <a:ext cx="4887913" cy="3454400"/>
+            <a:off x="1069975" y="1235075"/>
+            <a:ext cx="4718050" cy="3332163"/>
           </a:xfrm>
         </p:spPr>
       </p:sp>
@@ -819,7 +819,7 @@
           <a:p>
             <a:fld id="{1381CABE-BD8A-4ED8-BE60-32148880DEC7}" type="datetimeFigureOut">
               <a:rPr lang="en-GB" smtClean="0"/>
-              <a:t>24/03/2025</a:t>
+              <a:t>25/03/2025</a:t>
             </a:fld>
             <a:endParaRPr lang="en-GB" dirty="0"/>
           </a:p>
@@ -989,7 +989,7 @@
           <a:p>
             <a:fld id="{1381CABE-BD8A-4ED8-BE60-32148880DEC7}" type="datetimeFigureOut">
               <a:rPr lang="en-GB" smtClean="0"/>
-              <a:t>24/03/2025</a:t>
+              <a:t>25/03/2025</a:t>
             </a:fld>
             <a:endParaRPr lang="en-GB" dirty="0"/>
           </a:p>
@@ -1169,7 +1169,7 @@
           <a:p>
             <a:fld id="{1381CABE-BD8A-4ED8-BE60-32148880DEC7}" type="datetimeFigureOut">
               <a:rPr lang="en-GB" smtClean="0"/>
-              <a:t>24/03/2025</a:t>
+              <a:t>25/03/2025</a:t>
             </a:fld>
             <a:endParaRPr lang="en-GB" dirty="0"/>
           </a:p>
@@ -1339,7 +1339,7 @@
           <a:p>
             <a:fld id="{1381CABE-BD8A-4ED8-BE60-32148880DEC7}" type="datetimeFigureOut">
               <a:rPr lang="en-GB" smtClean="0"/>
-              <a:t>24/03/2025</a:t>
+              <a:t>25/03/2025</a:t>
             </a:fld>
             <a:endParaRPr lang="en-GB" dirty="0"/>
           </a:p>
@@ -1583,7 +1583,7 @@
           <a:p>
             <a:fld id="{1381CABE-BD8A-4ED8-BE60-32148880DEC7}" type="datetimeFigureOut">
               <a:rPr lang="en-GB" smtClean="0"/>
-              <a:t>24/03/2025</a:t>
+              <a:t>25/03/2025</a:t>
             </a:fld>
             <a:endParaRPr lang="en-GB" dirty="0"/>
           </a:p>
@@ -1815,7 +1815,7 @@
           <a:p>
             <a:fld id="{1381CABE-BD8A-4ED8-BE60-32148880DEC7}" type="datetimeFigureOut">
               <a:rPr lang="en-GB" smtClean="0"/>
-              <a:t>24/03/2025</a:t>
+              <a:t>25/03/2025</a:t>
             </a:fld>
             <a:endParaRPr lang="en-GB" dirty="0"/>
           </a:p>
@@ -2182,7 +2182,7 @@
           <a:p>
             <a:fld id="{1381CABE-BD8A-4ED8-BE60-32148880DEC7}" type="datetimeFigureOut">
               <a:rPr lang="en-GB" smtClean="0"/>
-              <a:t>24/03/2025</a:t>
+              <a:t>25/03/2025</a:t>
             </a:fld>
             <a:endParaRPr lang="en-GB" dirty="0"/>
           </a:p>
@@ -2300,7 +2300,7 @@
           <a:p>
             <a:fld id="{1381CABE-BD8A-4ED8-BE60-32148880DEC7}" type="datetimeFigureOut">
               <a:rPr lang="en-GB" smtClean="0"/>
-              <a:t>24/03/2025</a:t>
+              <a:t>25/03/2025</a:t>
             </a:fld>
             <a:endParaRPr lang="en-GB" dirty="0"/>
           </a:p>
@@ -2395,7 +2395,7 @@
           <a:p>
             <a:fld id="{1381CABE-BD8A-4ED8-BE60-32148880DEC7}" type="datetimeFigureOut">
               <a:rPr lang="en-GB" smtClean="0"/>
-              <a:t>24/03/2025</a:t>
+              <a:t>25/03/2025</a:t>
             </a:fld>
             <a:endParaRPr lang="en-GB" dirty="0"/>
           </a:p>
@@ -2672,7 +2672,7 @@
           <a:p>
             <a:fld id="{1381CABE-BD8A-4ED8-BE60-32148880DEC7}" type="datetimeFigureOut">
               <a:rPr lang="en-GB" smtClean="0"/>
-              <a:t>24/03/2025</a:t>
+              <a:t>25/03/2025</a:t>
             </a:fld>
             <a:endParaRPr lang="en-GB" dirty="0"/>
           </a:p>
@@ -2929,7 +2929,7 @@
           <a:p>
             <a:fld id="{1381CABE-BD8A-4ED8-BE60-32148880DEC7}" type="datetimeFigureOut">
               <a:rPr lang="en-GB" smtClean="0"/>
-              <a:t>24/03/2025</a:t>
+              <a:t>25/03/2025</a:t>
             </a:fld>
             <a:endParaRPr lang="en-GB" dirty="0"/>
           </a:p>
@@ -3142,7 +3142,7 @@
           <a:p>
             <a:fld id="{1381CABE-BD8A-4ED8-BE60-32148880DEC7}" type="datetimeFigureOut">
               <a:rPr lang="en-GB" smtClean="0"/>
-              <a:t>24/03/2025</a:t>
+              <a:t>25/03/2025</a:t>
             </a:fld>
             <a:endParaRPr lang="en-GB" dirty="0"/>
           </a:p>
@@ -5564,15 +5564,6 @@
 </file>
 
 <file path=customXml/item2.xml><?xml version="1.0" encoding="utf-8"?>
-<?mso-contentType ?>
-<FormTemplates xmlns="http://schemas.microsoft.com/sharepoint/v3/contenttype/forms">
-  <Display>DocumentLibraryForm</Display>
-  <Edit>DocumentLibraryForm</Edit>
-  <New>DocumentLibraryForm</New>
-</FormTemplates>
-</file>
-
-<file path=customXml/item3.xml><?xml version="1.0" encoding="utf-8"?>
 <ct:contentTypeSchema xmlns:ct="http://schemas.microsoft.com/office/2006/metadata/contentType" xmlns:ma="http://schemas.microsoft.com/office/2006/metadata/properties/metaAttributes" ct:_="" ma:_="" ma:contentTypeName="Document" ma:contentTypeID="0x010100183530F9ADBD1D48AC3974C37B1F16E8" ma:contentTypeVersion="24" ma:contentTypeDescription="Create a new document." ma:contentTypeScope="" ma:versionID="70394ba201040ca3d815e3c4f7012274">
   <xsd:schema xmlns:xsd="http://www.w3.org/2001/XMLSchema" xmlns:xs="http://www.w3.org/2001/XMLSchema" xmlns:p="http://schemas.microsoft.com/office/2006/metadata/properties" xmlns:ns3="72339acb-e8cc-4142-9dab-9dca3e7dada8" xmlns:ns4="dc781de3-bafc-4db7-a392-5d8a9e9bc0f5" targetNamespace="http://schemas.microsoft.com/office/2006/metadata/properties" ma:root="true" ma:fieldsID="d0d4fd1207dbf170f06c018f7c6b1e9a" ns3:_="" ns4:_="">
     <xsd:import namespace="72339acb-e8cc-4142-9dab-9dca3e7dada8"/>
@@ -5923,32 +5914,33 @@
 </ct:contentTypeSchema>
 </file>
 
+<file path=customXml/item3.xml><?xml version="1.0" encoding="utf-8"?>
+<?mso-contentType ?>
+<FormTemplates xmlns="http://schemas.microsoft.com/sharepoint/v3/contenttype/forms">
+  <Display>DocumentLibraryForm</Display>
+  <Edit>DocumentLibraryForm</Edit>
+  <New>DocumentLibraryForm</New>
+</FormTemplates>
+</file>
+
 <file path=customXml/itemProps1.xml><?xml version="1.0" encoding="utf-8"?>
 <ds:datastoreItem xmlns:ds="http://schemas.openxmlformats.org/officeDocument/2006/customXml" ds:itemID="{48338919-CAB7-4AC9-BE2B-610C7C37C733}">
   <ds:schemaRefs>
+    <ds:schemaRef ds:uri="dc781de3-bafc-4db7-a392-5d8a9e9bc0f5"/>
+    <ds:schemaRef ds:uri="http://purl.org/dc/terms/"/>
+    <ds:schemaRef ds:uri="http://purl.org/dc/dcmitype/"/>
+    <ds:schemaRef ds:uri="http://schemas.microsoft.com/office/infopath/2007/PartnerControls"/>
+    <ds:schemaRef ds:uri="http://schemas.microsoft.com/office/2006/metadata/properties"/>
+    <ds:schemaRef ds:uri="72339acb-e8cc-4142-9dab-9dca3e7dada8"/>
+    <ds:schemaRef ds:uri="http://schemas.microsoft.com/office/2006/documentManagement/types"/>
+    <ds:schemaRef ds:uri="http://www.w3.org/XML/1998/namespace"/>
     <ds:schemaRef ds:uri="http://schemas.openxmlformats.org/package/2006/metadata/core-properties"/>
-    <ds:schemaRef ds:uri="http://purl.org/dc/dcmitype/"/>
-    <ds:schemaRef ds:uri="http://schemas.microsoft.com/office/2006/documentManagement/types"/>
     <ds:schemaRef ds:uri="http://purl.org/dc/elements/1.1/"/>
-    <ds:schemaRef ds:uri="http://schemas.microsoft.com/office/infopath/2007/PartnerControls"/>
-    <ds:schemaRef ds:uri="dc781de3-bafc-4db7-a392-5d8a9e9bc0f5"/>
-    <ds:schemaRef ds:uri="72339acb-e8cc-4142-9dab-9dca3e7dada8"/>
-    <ds:schemaRef ds:uri="http://schemas.microsoft.com/office/2006/metadata/properties"/>
-    <ds:schemaRef ds:uri="http://www.w3.org/XML/1998/namespace"/>
-    <ds:schemaRef ds:uri="http://purl.org/dc/terms/"/>
   </ds:schemaRefs>
 </ds:datastoreItem>
 </file>
 
 <file path=customXml/itemProps2.xml><?xml version="1.0" encoding="utf-8"?>
-<ds:datastoreItem xmlns:ds="http://schemas.openxmlformats.org/officeDocument/2006/customXml" ds:itemID="{90E91343-FC66-4181-B87C-967309332136}">
-  <ds:schemaRefs>
-    <ds:schemaRef ds:uri="http://schemas.microsoft.com/sharepoint/v3/contenttype/forms"/>
-  </ds:schemaRefs>
-</ds:datastoreItem>
-</file>
-
-<file path=customXml/itemProps3.xml><?xml version="1.0" encoding="utf-8"?>
 <ds:datastoreItem xmlns:ds="http://schemas.openxmlformats.org/officeDocument/2006/customXml" ds:itemID="{6D556809-3C50-4FFA-808E-E6B975D92521}">
   <ds:schemaRefs>
     <ds:schemaRef ds:uri="http://schemas.microsoft.com/office/2006/metadata/contentType"/>
@@ -5965,4 +5957,12 @@
     <ds:schemaRef ds:uri="http://schemas.microsoft.com/internal/obd"/>
   </ds:schemaRefs>
 </ds:datastoreItem>
+</file>
+
+<file path=customXml/itemProps3.xml><?xml version="1.0" encoding="utf-8"?>
+<ds:datastoreItem xmlns:ds="http://schemas.openxmlformats.org/officeDocument/2006/customXml" ds:itemID="{90E91343-FC66-4181-B87C-967309332136}">
+  <ds:schemaRefs>
+    <ds:schemaRef ds:uri="http://schemas.microsoft.com/sharepoint/v3/contenttype/forms"/>
+  </ds:schemaRefs>
+</ds:datastoreItem>
 </file>
--- a/A1 Poster COMP1004 MB v2.pptx
+++ b/A1 Poster COMP1004 MB v2.pptx
@@ -143,7 +143,7 @@
 <file path=ppt/revisionInfo.xml><?xml version="1.0" encoding="utf-8"?>
 <p1510:revInfo xmlns:a="http://schemas.openxmlformats.org/drawingml/2006/main" xmlns:r="http://schemas.openxmlformats.org/officeDocument/2006/relationships" xmlns:p1510="http://schemas.microsoft.com/office/powerpoint/2015/10/main">
   <p1510:revLst>
-    <p1510:client id="{C98BF7D4-EB61-400B-8861-5EE2AE09BA97}" v="49" dt="2025-03-25T10:49:57.704"/>
+    <p1510:client id="{C98BF7D4-EB61-400B-8861-5EE2AE09BA97}" v="59" dt="2025-03-26T11:34:44.836"/>
   </p1510:revLst>
 </p1510:revInfo>
 </file>
@@ -152,13 +152,13 @@
 <pc:chgInfo xmlns:a="http://schemas.openxmlformats.org/drawingml/2006/main" xmlns:r="http://schemas.openxmlformats.org/officeDocument/2006/relationships" xmlns:ac="http://schemas.microsoft.com/office/drawing/2013/main/command" xmlns:pc="http://schemas.microsoft.com/office/powerpoint/2013/main/command">
   <pc:docChgLst>
     <pc:chgData name="Martin Bath" userId="10ed2a8438d10cb3" providerId="LiveId" clId="{C98BF7D4-EB61-400B-8861-5EE2AE09BA97}"/>
-    <pc:docChg chg="custSel modSld modNotesMaster">
-      <pc:chgData name="Martin Bath" userId="10ed2a8438d10cb3" providerId="LiveId" clId="{C98BF7D4-EB61-400B-8861-5EE2AE09BA97}" dt="2025-03-25T10:49:57.702" v="487"/>
+    <pc:docChg chg="undo custSel modSld modNotesMaster">
+      <pc:chgData name="Martin Bath" userId="10ed2a8438d10cb3" providerId="LiveId" clId="{C98BF7D4-EB61-400B-8861-5EE2AE09BA97}" dt="2025-03-26T11:37:05.899" v="540" actId="1076"/>
       <pc:docMkLst>
         <pc:docMk/>
       </pc:docMkLst>
       <pc:sldChg chg="addSp delSp modSp mod modNotes">
-        <pc:chgData name="Martin Bath" userId="10ed2a8438d10cb3" providerId="LiveId" clId="{C98BF7D4-EB61-400B-8861-5EE2AE09BA97}" dt="2025-03-25T10:49:57.702" v="487"/>
+        <pc:chgData name="Martin Bath" userId="10ed2a8438d10cb3" providerId="LiveId" clId="{C98BF7D4-EB61-400B-8861-5EE2AE09BA97}" dt="2025-03-26T11:37:05.899" v="540" actId="1076"/>
         <pc:sldMkLst>
           <pc:docMk/>
           <pc:sldMk cId="530449856" sldId="256"/>
@@ -187,12 +187,20 @@
             <ac:spMk id="7" creationId="{2C8FD0B0-1B72-2861-A7F4-2A604E1EB0CF}"/>
           </ac:spMkLst>
         </pc:spChg>
-        <pc:spChg chg="add del mod">
-          <ac:chgData name="Martin Bath" userId="10ed2a8438d10cb3" providerId="LiveId" clId="{C98BF7D4-EB61-400B-8861-5EE2AE09BA97}" dt="2025-03-24T13:33:47.363" v="8" actId="478"/>
+        <pc:spChg chg="add mod">
+          <ac:chgData name="Martin Bath" userId="10ed2a8438d10cb3" providerId="LiveId" clId="{C98BF7D4-EB61-400B-8861-5EE2AE09BA97}" dt="2025-03-26T11:37:05.899" v="540" actId="1076"/>
           <ac:spMkLst>
             <pc:docMk/>
             <pc:sldMk cId="530449856" sldId="256"/>
-            <ac:spMk id="13" creationId="{3019B3A5-131D-59A3-1375-02A1B548310C}"/>
+            <ac:spMk id="13" creationId="{B7274E67-34A0-B972-062A-2A8A4C41F05B}"/>
+          </ac:spMkLst>
+        </pc:spChg>
+        <pc:spChg chg="mod">
+          <ac:chgData name="Martin Bath" userId="10ed2a8438d10cb3" providerId="LiveId" clId="{C98BF7D4-EB61-400B-8861-5EE2AE09BA97}" dt="2025-03-26T11:35:24.117" v="508" actId="1076"/>
+          <ac:spMkLst>
+            <pc:docMk/>
+            <pc:sldMk cId="530449856" sldId="256"/>
+            <ac:spMk id="15" creationId="{72994E75-5466-9230-04B0-8B16A386863B}"/>
           </ac:spMkLst>
         </pc:spChg>
         <pc:spChg chg="add mod">
@@ -201,14 +209,6 @@
             <pc:docMk/>
             <pc:sldMk cId="530449856" sldId="256"/>
             <ac:spMk id="16" creationId="{33493949-FCDE-AEFF-28BB-B9EF4E5C06C4}"/>
-          </ac:spMkLst>
-        </pc:spChg>
-        <pc:spChg chg="add del mod">
-          <ac:chgData name="Martin Bath" userId="10ed2a8438d10cb3" providerId="LiveId" clId="{C98BF7D4-EB61-400B-8861-5EE2AE09BA97}" dt="2025-03-24T13:37:53.499" v="134" actId="478"/>
-          <ac:spMkLst>
-            <pc:docMk/>
-            <pc:sldMk cId="530449856" sldId="256"/>
-            <ac:spMk id="19" creationId="{B20492BA-1A3B-363E-27AD-43C9D36AEC3E}"/>
           </ac:spMkLst>
         </pc:spChg>
         <pc:spChg chg="add mod">
@@ -227,14 +227,14 @@
             <ac:spMk id="21" creationId="{2648919D-C952-5222-8D33-2C79EE67A72F}"/>
           </ac:spMkLst>
         </pc:spChg>
-        <pc:spChg chg="add del mod">
-          <ac:chgData name="Martin Bath" userId="10ed2a8438d10cb3" providerId="LiveId" clId="{C98BF7D4-EB61-400B-8861-5EE2AE09BA97}" dt="2025-03-24T13:42:09.953" v="486" actId="478"/>
-          <ac:spMkLst>
+        <pc:picChg chg="mod">
+          <ac:chgData name="Martin Bath" userId="10ed2a8438d10cb3" providerId="LiveId" clId="{C98BF7D4-EB61-400B-8861-5EE2AE09BA97}" dt="2025-03-26T11:35:27.260" v="522" actId="1037"/>
+          <ac:picMkLst>
             <pc:docMk/>
             <pc:sldMk cId="530449856" sldId="256"/>
-            <ac:spMk id="22" creationId="{53E4EA68-2906-D28F-97B5-FB2ED34CB19E}"/>
-          </ac:spMkLst>
-        </pc:spChg>
+            <ac:picMk id="5" creationId="{98390983-0E6C-E76C-C3B3-D2DE1F3430B1}"/>
+          </ac:picMkLst>
+        </pc:picChg>
         <pc:picChg chg="mod ord">
           <ac:chgData name="Martin Bath" userId="10ed2a8438d10cb3" providerId="LiveId" clId="{C98BF7D4-EB61-400B-8861-5EE2AE09BA97}" dt="2025-03-24T13:40:30.384" v="302" actId="14100"/>
           <ac:picMkLst>
@@ -331,7 +331,7 @@
           <a:p>
             <a:fld id="{40B2206F-7194-4E11-805A-5295AF5385CE}" type="datetimeFigureOut">
               <a:rPr lang="en-GB" smtClean="0"/>
-              <a:t>25/03/2025</a:t>
+              <a:t>26/03/2025</a:t>
             </a:fld>
             <a:endParaRPr lang="en-GB" dirty="0"/>
           </a:p>
@@ -819,7 +819,7 @@
           <a:p>
             <a:fld id="{1381CABE-BD8A-4ED8-BE60-32148880DEC7}" type="datetimeFigureOut">
               <a:rPr lang="en-GB" smtClean="0"/>
-              <a:t>25/03/2025</a:t>
+              <a:t>26/03/2025</a:t>
             </a:fld>
             <a:endParaRPr lang="en-GB" dirty="0"/>
           </a:p>
@@ -989,7 +989,7 @@
           <a:p>
             <a:fld id="{1381CABE-BD8A-4ED8-BE60-32148880DEC7}" type="datetimeFigureOut">
               <a:rPr lang="en-GB" smtClean="0"/>
-              <a:t>25/03/2025</a:t>
+              <a:t>26/03/2025</a:t>
             </a:fld>
             <a:endParaRPr lang="en-GB" dirty="0"/>
           </a:p>
@@ -1169,7 +1169,7 @@
           <a:p>
             <a:fld id="{1381CABE-BD8A-4ED8-BE60-32148880DEC7}" type="datetimeFigureOut">
               <a:rPr lang="en-GB" smtClean="0"/>
-              <a:t>25/03/2025</a:t>
+              <a:t>26/03/2025</a:t>
             </a:fld>
             <a:endParaRPr lang="en-GB" dirty="0"/>
           </a:p>
@@ -1339,7 +1339,7 @@
           <a:p>
             <a:fld id="{1381CABE-BD8A-4ED8-BE60-32148880DEC7}" type="datetimeFigureOut">
               <a:rPr lang="en-GB" smtClean="0"/>
-              <a:t>25/03/2025</a:t>
+              <a:t>26/03/2025</a:t>
             </a:fld>
             <a:endParaRPr lang="en-GB" dirty="0"/>
           </a:p>
@@ -1583,7 +1583,7 @@
           <a:p>
             <a:fld id="{1381CABE-BD8A-4ED8-BE60-32148880DEC7}" type="datetimeFigureOut">
               <a:rPr lang="en-GB" smtClean="0"/>
-              <a:t>25/03/2025</a:t>
+              <a:t>26/03/2025</a:t>
             </a:fld>
             <a:endParaRPr lang="en-GB" dirty="0"/>
           </a:p>
@@ -1815,7 +1815,7 @@
           <a:p>
             <a:fld id="{1381CABE-BD8A-4ED8-BE60-32148880DEC7}" type="datetimeFigureOut">
               <a:rPr lang="en-GB" smtClean="0"/>
-              <a:t>25/03/2025</a:t>
+              <a:t>26/03/2025</a:t>
             </a:fld>
             <a:endParaRPr lang="en-GB" dirty="0"/>
           </a:p>
@@ -2182,7 +2182,7 @@
           <a:p>
             <a:fld id="{1381CABE-BD8A-4ED8-BE60-32148880DEC7}" type="datetimeFigureOut">
               <a:rPr lang="en-GB" smtClean="0"/>
-              <a:t>25/03/2025</a:t>
+              <a:t>26/03/2025</a:t>
             </a:fld>
             <a:endParaRPr lang="en-GB" dirty="0"/>
           </a:p>
@@ -2300,7 +2300,7 @@
           <a:p>
             <a:fld id="{1381CABE-BD8A-4ED8-BE60-32148880DEC7}" type="datetimeFigureOut">
               <a:rPr lang="en-GB" smtClean="0"/>
-              <a:t>25/03/2025</a:t>
+              <a:t>26/03/2025</a:t>
             </a:fld>
             <a:endParaRPr lang="en-GB" dirty="0"/>
           </a:p>
@@ -2395,7 +2395,7 @@
           <a:p>
             <a:fld id="{1381CABE-BD8A-4ED8-BE60-32148880DEC7}" type="datetimeFigureOut">
               <a:rPr lang="en-GB" smtClean="0"/>
-              <a:t>25/03/2025</a:t>
+              <a:t>26/03/2025</a:t>
             </a:fld>
             <a:endParaRPr lang="en-GB" dirty="0"/>
           </a:p>
@@ -2672,7 +2672,7 @@
           <a:p>
             <a:fld id="{1381CABE-BD8A-4ED8-BE60-32148880DEC7}" type="datetimeFigureOut">
               <a:rPr lang="en-GB" smtClean="0"/>
-              <a:t>25/03/2025</a:t>
+              <a:t>26/03/2025</a:t>
             </a:fld>
             <a:endParaRPr lang="en-GB" dirty="0"/>
           </a:p>
@@ -2929,7 +2929,7 @@
           <a:p>
             <a:fld id="{1381CABE-BD8A-4ED8-BE60-32148880DEC7}" type="datetimeFigureOut">
               <a:rPr lang="en-GB" smtClean="0"/>
-              <a:t>25/03/2025</a:t>
+              <a:t>26/03/2025</a:t>
             </a:fld>
             <a:endParaRPr lang="en-GB" dirty="0"/>
           </a:p>
@@ -3142,7 +3142,7 @@
           <a:p>
             <a:fld id="{1381CABE-BD8A-4ED8-BE60-32148880DEC7}" type="datetimeFigureOut">
               <a:rPr lang="en-GB" smtClean="0"/>
-              <a:t>25/03/2025</a:t>
+              <a:t>26/03/2025</a:t>
             </a:fld>
             <a:endParaRPr lang="en-GB" dirty="0"/>
           </a:p>
@@ -3677,7 +3677,7 @@
         </p:blipFill>
         <p:spPr>
           <a:xfrm>
-            <a:off x="27886930" y="19370841"/>
+            <a:off x="27429733" y="19370841"/>
             <a:ext cx="1995904" cy="1995904"/>
           </a:xfrm>
           <a:prstGeom prst="rect">
@@ -4036,7 +4036,7 @@
         </p:nvSpPr>
         <p:spPr>
           <a:xfrm rot="16200000" flipV="1">
-            <a:off x="26471971" y="20149613"/>
+            <a:off x="25914730" y="20118945"/>
             <a:ext cx="2308184" cy="523220"/>
           </a:xfrm>
           <a:prstGeom prst="rect">
@@ -4948,6 +4948,51 @@
                 <a:cs typeface="Times New Roman" panose="02020603050405020304" pitchFamily="18" charset="0"/>
               </a:rPr>
               <a:t>) and was to be built using JavaScript, CSS and HTML only.</a:t>
+            </a:r>
+          </a:p>
+        </p:txBody>
+      </p:sp>
+      <p:sp>
+        <p:nvSpPr>
+          <p:cNvPr id="13" name="TextBox 12">
+            <a:extLst>
+              <a:ext uri="{FF2B5EF4-FFF2-40B4-BE49-F238E27FC236}">
+                <a16:creationId xmlns:a16="http://schemas.microsoft.com/office/drawing/2014/main" id="{B7274E67-34A0-B972-062A-2A8A4C41F05B}"/>
+              </a:ext>
+            </a:extLst>
+          </p:cNvPr>
+          <p:cNvSpPr txBox="1"/>
+          <p:nvPr/>
+        </p:nvSpPr>
+        <p:spPr>
+          <a:xfrm>
+            <a:off x="28648938" y="20158836"/>
+            <a:ext cx="2958600" cy="369332"/>
+          </a:xfrm>
+          <a:prstGeom prst="rect">
+            <a:avLst/>
+          </a:prstGeom>
+          <a:noFill/>
+        </p:spPr>
+        <p:txBody>
+          <a:bodyPr wrap="square" rtlCol="0">
+            <a:normAutofit/>
+            <a:scene3d>
+              <a:camera prst="orthographicFront">
+                <a:rot lat="0" lon="0" rev="5400000"/>
+              </a:camera>
+              <a:lightRig rig="threePt" dir="t"/>
+            </a:scene3d>
+          </a:bodyPr>
+          <a:lstStyle/>
+          <a:p>
+            <a:r>
+              <a:rPr lang="en-GB" sz="1600" dirty="0"/>
+              <a:t>online-qr-generator</a:t>
+            </a:r>
+            <a:r>
+              <a:rPr lang="en-GB" dirty="0"/>
+              <a:t>.com</a:t>
             </a:r>
           </a:p>
         </p:txBody>
@@ -5564,6 +5609,15 @@
 </file>
 
 <file path=customXml/item2.xml><?xml version="1.0" encoding="utf-8"?>
+<?mso-contentType ?>
+<FormTemplates xmlns="http://schemas.microsoft.com/sharepoint/v3/contenttype/forms">
+  <Display>DocumentLibraryForm</Display>
+  <Edit>DocumentLibraryForm</Edit>
+  <New>DocumentLibraryForm</New>
+</FormTemplates>
+</file>
+
+<file path=customXml/item3.xml><?xml version="1.0" encoding="utf-8"?>
 <ct:contentTypeSchema xmlns:ct="http://schemas.microsoft.com/office/2006/metadata/contentType" xmlns:ma="http://schemas.microsoft.com/office/2006/metadata/properties/metaAttributes" ct:_="" ma:_="" ma:contentTypeName="Document" ma:contentTypeID="0x010100183530F9ADBD1D48AC3974C37B1F16E8" ma:contentTypeVersion="24" ma:contentTypeDescription="Create a new document." ma:contentTypeScope="" ma:versionID="70394ba201040ca3d815e3c4f7012274">
   <xsd:schema xmlns:xsd="http://www.w3.org/2001/XMLSchema" xmlns:xs="http://www.w3.org/2001/XMLSchema" xmlns:p="http://schemas.microsoft.com/office/2006/metadata/properties" xmlns:ns3="72339acb-e8cc-4142-9dab-9dca3e7dada8" xmlns:ns4="dc781de3-bafc-4db7-a392-5d8a9e9bc0f5" targetNamespace="http://schemas.microsoft.com/office/2006/metadata/properties" ma:root="true" ma:fieldsID="d0d4fd1207dbf170f06c018f7c6b1e9a" ns3:_="" ns4:_="">
     <xsd:import namespace="72339acb-e8cc-4142-9dab-9dca3e7dada8"/>
@@ -5914,15 +5968,6 @@
 </ct:contentTypeSchema>
 </file>
 
-<file path=customXml/item3.xml><?xml version="1.0" encoding="utf-8"?>
-<?mso-contentType ?>
-<FormTemplates xmlns="http://schemas.microsoft.com/sharepoint/v3/contenttype/forms">
-  <Display>DocumentLibraryForm</Display>
-  <Edit>DocumentLibraryForm</Edit>
-  <New>DocumentLibraryForm</New>
-</FormTemplates>
-</file>
-
 <file path=customXml/itemProps1.xml><?xml version="1.0" encoding="utf-8"?>
 <ds:datastoreItem xmlns:ds="http://schemas.openxmlformats.org/officeDocument/2006/customXml" ds:itemID="{48338919-CAB7-4AC9-BE2B-610C7C37C733}">
   <ds:schemaRefs>
@@ -5941,6 +5986,14 @@
 </file>
 
 <file path=customXml/itemProps2.xml><?xml version="1.0" encoding="utf-8"?>
+<ds:datastoreItem xmlns:ds="http://schemas.openxmlformats.org/officeDocument/2006/customXml" ds:itemID="{90E91343-FC66-4181-B87C-967309332136}">
+  <ds:schemaRefs>
+    <ds:schemaRef ds:uri="http://schemas.microsoft.com/sharepoint/v3/contenttype/forms"/>
+  </ds:schemaRefs>
+</ds:datastoreItem>
+</file>
+
+<file path=customXml/itemProps3.xml><?xml version="1.0" encoding="utf-8"?>
 <ds:datastoreItem xmlns:ds="http://schemas.openxmlformats.org/officeDocument/2006/customXml" ds:itemID="{6D556809-3C50-4FFA-808E-E6B975D92521}">
   <ds:schemaRefs>
     <ds:schemaRef ds:uri="http://schemas.microsoft.com/office/2006/metadata/contentType"/>
@@ -5957,12 +6010,4 @@
     <ds:schemaRef ds:uri="http://schemas.microsoft.com/internal/obd"/>
   </ds:schemaRefs>
 </ds:datastoreItem>
-</file>
-
-<file path=customXml/itemProps3.xml><?xml version="1.0" encoding="utf-8"?>
-<ds:datastoreItem xmlns:ds="http://schemas.openxmlformats.org/officeDocument/2006/customXml" ds:itemID="{90E91343-FC66-4181-B87C-967309332136}">
-  <ds:schemaRefs>
-    <ds:schemaRef ds:uri="http://schemas.microsoft.com/sharepoint/v3/contenttype/forms"/>
-  </ds:schemaRefs>
-</ds:datastoreItem>
 </file>